--- a/PPT/第二部分 软件测试技术/5.2  白盒测试技术-静态测试.pptx
+++ b/PPT/第二部分 软件测试技术/5.2  白盒测试技术-静态测试.pptx
@@ -229,7 +229,7 @@
           <a:p>
             <a:fld id="{E6388127-EC40-432B-B7A8-A2CB907761B9}" type="datetimeFigureOut">
               <a:rPr lang="zh-CN" altLang="en-US" smtClean="0"/>
-              <a:t>2017/10/23</a:t>
+              <a:t>2017/11/3</a:t>
             </a:fld>
             <a:endParaRPr lang="zh-CN" altLang="en-US"/>
           </a:p>
@@ -712,7 +712,7 @@
           <a:p>
             <a:fld id="{F02B0C02-8564-43E4-967A-60B5B1CD7176}" type="datetimeFigureOut">
               <a:rPr lang="zh-CN" altLang="en-US" smtClean="0"/>
-              <a:t>2017/10/23</a:t>
+              <a:t>2017/11/3</a:t>
             </a:fld>
             <a:endParaRPr lang="zh-CN" altLang="en-US"/>
           </a:p>
@@ -909,7 +909,7 @@
           <a:p>
             <a:fld id="{F02B0C02-8564-43E4-967A-60B5B1CD7176}" type="datetimeFigureOut">
               <a:rPr lang="zh-CN" altLang="en-US" smtClean="0"/>
-              <a:t>2017/10/23</a:t>
+              <a:t>2017/11/3</a:t>
             </a:fld>
             <a:endParaRPr lang="zh-CN" altLang="en-US"/>
           </a:p>
@@ -1110,7 +1110,7 @@
           <a:p>
             <a:fld id="{F02B0C02-8564-43E4-967A-60B5B1CD7176}" type="datetimeFigureOut">
               <a:rPr lang="zh-CN" altLang="en-US" smtClean="0"/>
-              <a:t>2017/10/23</a:t>
+              <a:t>2017/11/3</a:t>
             </a:fld>
             <a:endParaRPr lang="zh-CN" altLang="en-US"/>
           </a:p>
@@ -1368,7 +1368,7 @@
           <a:p>
             <a:fld id="{F02B0C02-8564-43E4-967A-60B5B1CD7176}" type="datetimeFigureOut">
               <a:rPr lang="zh-CN" altLang="en-US" smtClean="0"/>
-              <a:t>2017/10/23</a:t>
+              <a:t>2017/11/3</a:t>
             </a:fld>
             <a:endParaRPr lang="zh-CN" altLang="en-US"/>
           </a:p>
@@ -1553,7 +1553,7 @@
           <a:p>
             <a:fld id="{C16525B2-4347-4F72-BAF7-76B19438D329}" type="datetimeFigureOut">
               <a:rPr lang="en-US" smtClean="0"/>
-              <a:t>10/23/2017</a:t>
+              <a:t>11/3/2017</a:t>
             </a:fld>
             <a:endParaRPr lang="en-US"/>
           </a:p>
@@ -1730,7 +1730,7 @@
           <a:p>
             <a:fld id="{F02B0C02-8564-43E4-967A-60B5B1CD7176}" type="datetimeFigureOut">
               <a:rPr lang="zh-CN" altLang="en-US" smtClean="0"/>
-              <a:t>2017/10/23</a:t>
+              <a:t>2017/11/3</a:t>
             </a:fld>
             <a:endParaRPr lang="zh-CN" altLang="en-US"/>
           </a:p>
@@ -1943,7 +1943,7 @@
           <a:p>
             <a:fld id="{F02B0C02-8564-43E4-967A-60B5B1CD7176}" type="datetimeFigureOut">
               <a:rPr lang="zh-CN" altLang="en-US" smtClean="0"/>
-              <a:t>2017/10/23</a:t>
+              <a:t>2017/11/3</a:t>
             </a:fld>
             <a:endParaRPr lang="zh-CN" altLang="en-US"/>
           </a:p>
@@ -2252,7 +2252,7 @@
           <a:p>
             <a:fld id="{F02B0C02-8564-43E4-967A-60B5B1CD7176}" type="datetimeFigureOut">
               <a:rPr lang="zh-CN" altLang="en-US" smtClean="0"/>
-              <a:t>2017/10/23</a:t>
+              <a:t>2017/11/3</a:t>
             </a:fld>
             <a:endParaRPr lang="zh-CN" altLang="en-US"/>
           </a:p>
@@ -2700,7 +2700,7 @@
           <a:p>
             <a:fld id="{F02B0C02-8564-43E4-967A-60B5B1CD7176}" type="datetimeFigureOut">
               <a:rPr lang="zh-CN" altLang="en-US" smtClean="0"/>
-              <a:t>2017/10/23</a:t>
+              <a:t>2017/11/3</a:t>
             </a:fld>
             <a:endParaRPr lang="zh-CN" altLang="en-US"/>
           </a:p>
@@ -2839,7 +2839,7 @@
           <a:p>
             <a:fld id="{F02B0C02-8564-43E4-967A-60B5B1CD7176}" type="datetimeFigureOut">
               <a:rPr lang="zh-CN" altLang="en-US" smtClean="0"/>
-              <a:t>2017/10/23</a:t>
+              <a:t>2017/11/3</a:t>
             </a:fld>
             <a:endParaRPr lang="zh-CN" altLang="en-US"/>
           </a:p>
@@ -2955,7 +2955,7 @@
           <a:p>
             <a:fld id="{F02B0C02-8564-43E4-967A-60B5B1CD7176}" type="datetimeFigureOut">
               <a:rPr lang="zh-CN" altLang="en-US" smtClean="0"/>
-              <a:t>2017/10/23</a:t>
+              <a:t>2017/11/3</a:t>
             </a:fld>
             <a:endParaRPr lang="zh-CN" altLang="en-US"/>
           </a:p>
@@ -3253,7 +3253,7 @@
           <a:p>
             <a:fld id="{F02B0C02-8564-43E4-967A-60B5B1CD7176}" type="datetimeFigureOut">
               <a:rPr lang="zh-CN" altLang="en-US" smtClean="0"/>
-              <a:t>2017/10/23</a:t>
+              <a:t>2017/11/3</a:t>
             </a:fld>
             <a:endParaRPr lang="zh-CN" altLang="en-US"/>
           </a:p>
@@ -3531,7 +3531,7 @@
           <a:p>
             <a:fld id="{F02B0C02-8564-43E4-967A-60B5B1CD7176}" type="datetimeFigureOut">
               <a:rPr lang="zh-CN" altLang="en-US" smtClean="0"/>
-              <a:t>2017/10/23</a:t>
+              <a:t>2017/11/3</a:t>
             </a:fld>
             <a:endParaRPr lang="zh-CN" altLang="en-US"/>
           </a:p>
@@ -3971,7 +3971,7 @@
           <a:p>
             <a:fld id="{F02B0C02-8564-43E4-967A-60B5B1CD7176}" type="datetimeFigureOut">
               <a:rPr lang="zh-CN" altLang="en-US" smtClean="0"/>
-              <a:t>2017/10/23</a:t>
+              <a:t>2017/11/3</a:t>
             </a:fld>
             <a:endParaRPr lang="zh-CN" altLang="en-US"/>
           </a:p>
@@ -4756,7 +4756,7 @@
         </p:blipFill>
         <p:spPr bwMode="auto">
           <a:xfrm>
-            <a:off x="766763" y="2281238"/>
+            <a:off x="899592" y="1340768"/>
             <a:ext cx="7608887" cy="3524026"/>
           </a:xfrm>
           <a:prstGeom prst="rect">
@@ -4797,6 +4797,48 @@
           </a:extLst>
         </p:spPr>
       </p:pic>
+      <p:sp>
+        <p:nvSpPr>
+          <p:cNvPr id="3" name="TextBox 2"/>
+          <p:cNvSpPr txBox="1"/>
+          <p:nvPr/>
+        </p:nvSpPr>
+        <p:spPr>
+          <a:xfrm>
+            <a:off x="1187623" y="5085184"/>
+            <a:ext cx="7032823" cy="1077218"/>
+          </a:xfrm>
+          <a:prstGeom prst="rect">
+            <a:avLst/>
+          </a:prstGeom>
+          <a:noFill/>
+        </p:spPr>
+        <p:txBody>
+          <a:bodyPr wrap="square" rtlCol="0">
+            <a:spAutoFit/>
+          </a:bodyPr>
+          <a:lstStyle/>
+          <a:p>
+            <a:r>
+              <a:rPr lang="en-US" altLang="zh-CN" sz="3200" dirty="0" smtClean="0"/>
+              <a:t>B</a:t>
+            </a:r>
+            <a:r>
+              <a:rPr lang="zh-CN" altLang="en-US" sz="3200" dirty="0" smtClean="0"/>
+              <a:t>，嵌套循环，需要把长循环的写在最内层，减少</a:t>
+            </a:r>
+            <a:r>
+              <a:rPr lang="en-US" altLang="zh-CN" sz="3200" dirty="0" smtClean="0"/>
+              <a:t>CPU</a:t>
+            </a:r>
+            <a:r>
+              <a:rPr lang="zh-CN" altLang="en-US" sz="3200" dirty="0" smtClean="0"/>
+              <a:t>跨切循环层是次数</a:t>
+            </a:r>
+            <a:endParaRPr lang="zh-CN" altLang="en-US" sz="3200" dirty="0"/>
+          </a:p>
+        </p:txBody>
+      </p:sp>
     </p:spTree>
     <p:extLst>
       <p:ext uri="{BB962C8B-B14F-4D97-AF65-F5344CB8AC3E}">
@@ -10270,7 +10312,7 @@
         <p:spPr bwMode="auto">
           <a:xfrm>
             <a:off x="814388" y="1833563"/>
-            <a:ext cx="7513637" cy="3971701"/>
+            <a:ext cx="7513637" cy="2387525"/>
           </a:xfrm>
           <a:prstGeom prst="rect">
             <a:avLst/>
@@ -10310,6 +10352,55 @@
           </a:extLst>
         </p:spPr>
       </p:pic>
+      <p:sp>
+        <p:nvSpPr>
+          <p:cNvPr id="3" name="TextBox 2"/>
+          <p:cNvSpPr txBox="1"/>
+          <p:nvPr/>
+        </p:nvSpPr>
+        <p:spPr>
+          <a:xfrm>
+            <a:off x="769310" y="4653135"/>
+            <a:ext cx="7948394" cy="2062103"/>
+          </a:xfrm>
+          <a:prstGeom prst="rect">
+            <a:avLst/>
+          </a:prstGeom>
+          <a:noFill/>
+        </p:spPr>
+        <p:txBody>
+          <a:bodyPr wrap="square" rtlCol="0">
+            <a:spAutoFit/>
+          </a:bodyPr>
+          <a:lstStyle/>
+          <a:p>
+            <a:r>
+              <a:rPr lang="zh-CN" altLang="en-US" sz="3200" dirty="0" smtClean="0"/>
+              <a:t>Ａ比</a:t>
+            </a:r>
+            <a:r>
+              <a:rPr lang="en-US" altLang="zh-CN" sz="3200" dirty="0" smtClean="0"/>
+              <a:t>B</a:t>
+            </a:r>
+            <a:r>
+              <a:rPr lang="zh-CN" altLang="en-US" sz="3200" dirty="0" smtClean="0"/>
+              <a:t>多Ｎ－１</a:t>
+            </a:r>
+            <a:r>
+              <a:rPr lang="zh-CN" altLang="en-US" sz="3200" smtClean="0"/>
+              <a:t>次逻辑判断</a:t>
+            </a:r>
+            <a:endParaRPr lang="en-US" altLang="zh-CN" sz="3200" dirty="0" smtClean="0"/>
+          </a:p>
+          <a:p>
+            <a:r>
+              <a:rPr lang="zh-CN" altLang="en-US" sz="3200" dirty="0" smtClean="0"/>
+              <a:t>由于Ａ不断进行逻辑判断，打断了循环的“流水线”作业，使得编译器不能对循环进行优化处理</a:t>
+            </a:r>
+            <a:endParaRPr lang="en-US" altLang="zh-CN" sz="3200" dirty="0" smtClean="0"/>
+          </a:p>
+        </p:txBody>
+      </p:sp>
     </p:spTree>
     <p:extLst>
       <p:ext uri="{BB962C8B-B14F-4D97-AF65-F5344CB8AC3E}">
@@ -11246,22 +11337,22 @@
           <a:p>
             <a:pPr algn="just" eaLnBrk="1" hangingPunct="1"/>
             <a:r>
-              <a:rPr lang="zh-CN" altLang="en-US" sz="3400" b="1" smtClean="0"/>
+              <a:rPr lang="zh-CN" altLang="en-US" sz="3400" b="1" dirty="0" smtClean="0"/>
               <a:t>静态结构分析</a:t>
             </a:r>
-            <a:endParaRPr lang="en-US" altLang="zh-CN" sz="3400" b="1" smtClean="0"/>
+            <a:endParaRPr lang="en-US" altLang="zh-CN" sz="3400" b="1" dirty="0" smtClean="0"/>
           </a:p>
           <a:p>
             <a:pPr lvl="1" algn="just" eaLnBrk="1" hangingPunct="1"/>
             <a:r>
-              <a:rPr lang="zh-CN" altLang="en-US" b="1" smtClean="0">
+              <a:rPr lang="zh-CN" altLang="en-US" b="1" dirty="0" smtClean="0">
                 <a:solidFill>
                   <a:srgbClr val="0000FF"/>
                 </a:solidFill>
               </a:rPr>
               <a:t>基本原理</a:t>
             </a:r>
-            <a:endParaRPr lang="en-US" altLang="zh-CN" b="1" smtClean="0">
+            <a:endParaRPr lang="en-US" altLang="zh-CN" b="1" dirty="0" smtClean="0">
               <a:solidFill>
                 <a:srgbClr val="0000FF"/>
               </a:solidFill>
@@ -11270,22 +11361,22 @@
           <a:p>
             <a:pPr lvl="1" algn="just" eaLnBrk="1" hangingPunct="1"/>
             <a:r>
-              <a:rPr lang="zh-CN" altLang="en-US" b="1" smtClean="0"/>
+              <a:rPr lang="zh-CN" altLang="en-US" b="1" dirty="0" smtClean="0"/>
               <a:t>函数调用关系图</a:t>
             </a:r>
-            <a:endParaRPr lang="en-US" altLang="zh-CN" b="1" smtClean="0"/>
+            <a:endParaRPr lang="en-US" altLang="zh-CN" b="1" dirty="0" smtClean="0"/>
           </a:p>
           <a:p>
             <a:pPr lvl="1" algn="just" eaLnBrk="1" hangingPunct="1"/>
             <a:r>
-              <a:rPr lang="zh-CN" altLang="en-US" b="1" smtClean="0"/>
+              <a:rPr lang="zh-CN" altLang="en-US" b="1" dirty="0" smtClean="0"/>
               <a:t>函数控制流图</a:t>
             </a:r>
-            <a:endParaRPr lang="en-US" altLang="zh-CN" b="1" smtClean="0"/>
+            <a:endParaRPr lang="en-US" altLang="zh-CN" b="1" dirty="0" smtClean="0"/>
           </a:p>
           <a:p>
             <a:pPr lvl="1" algn="just" eaLnBrk="1" hangingPunct="1"/>
-            <a:endParaRPr lang="en-US" altLang="zh-CN" b="1" smtClean="0"/>
+            <a:endParaRPr lang="en-US" altLang="zh-CN" b="1" dirty="0" smtClean="0"/>
           </a:p>
         </p:txBody>
       </p:sp>
@@ -17428,23 +17519,43 @@
           <a:p>
             <a:pPr lvl="1"/>
             <a:r>
-              <a:rPr lang="zh-CN" altLang="en-US" b="1" dirty="0"/>
+              <a:rPr lang="zh-CN" altLang="en-US" b="1" dirty="0">
+                <a:solidFill>
+                  <a:srgbClr val="FF0000"/>
+                </a:solidFill>
+              </a:rPr>
               <a:t>代码检查</a:t>
             </a:r>
-            <a:endParaRPr lang="en-US" altLang="zh-CN" b="1" dirty="0"/>
+            <a:endParaRPr lang="en-US" altLang="zh-CN" b="1" dirty="0">
+              <a:solidFill>
+                <a:srgbClr val="FF0000"/>
+              </a:solidFill>
+            </a:endParaRPr>
           </a:p>
           <a:p>
             <a:pPr lvl="1"/>
             <a:r>
-              <a:rPr lang="zh-CN" altLang="en-US" b="1" dirty="0"/>
+              <a:rPr lang="zh-CN" altLang="en-US" b="1" dirty="0">
+                <a:solidFill>
+                  <a:srgbClr val="FF0000"/>
+                </a:solidFill>
+              </a:rPr>
               <a:t>静态结构分析</a:t>
             </a:r>
-            <a:endParaRPr lang="en-US" altLang="zh-CN" b="1" dirty="0"/>
+            <a:endParaRPr lang="en-US" altLang="zh-CN" b="1" dirty="0">
+              <a:solidFill>
+                <a:srgbClr val="FF0000"/>
+              </a:solidFill>
+            </a:endParaRPr>
           </a:p>
           <a:p>
             <a:pPr lvl="1"/>
             <a:r>
-              <a:rPr lang="zh-CN" altLang="en-US" b="1" dirty="0"/>
+              <a:rPr lang="zh-CN" altLang="en-US" b="1" dirty="0">
+                <a:solidFill>
+                  <a:srgbClr val="FF0000"/>
+                </a:solidFill>
+              </a:rPr>
               <a:t>代码质量度量</a:t>
             </a:r>
           </a:p>
